--- a/docs/JMeterPlugins.pptx
+++ b/docs/JMeterPlugins.pptx
@@ -289,7 +289,7 @@
             <a:fld id="{DE83D8B4-7749-40F8-A2B5-BB2EE4838988}" type="datetimeFigureOut">
               <a:rPr lang="fr-FR" smtClean="0"/>
               <a:pPr/>
-              <a:t>27/10/2010</a:t>
+              <a:t>31/10/2010</a:t>
             </a:fld>
             <a:endParaRPr lang="fr-FR"/>
           </a:p>
@@ -332,7 +332,7 @@
             <a:fld id="{04E6DAC0-9953-4B0E-AEA3-FBE76B3FC895}" type="slidenum">
               <a:rPr lang="fr-FR" smtClean="0"/>
               <a:pPr/>
-              <a:t>‹#›</a:t>
+              <a:t>‹N°›</a:t>
             </a:fld>
             <a:endParaRPr lang="fr-FR"/>
           </a:p>
@@ -341,7 +341,7 @@
     </p:spTree>
     <p:extLst>
       <p:ext uri="{BB962C8B-B14F-4D97-AF65-F5344CB8AC3E}">
-        <p14:creationId xmlns:p14="http://schemas.microsoft.com/office/powerpoint/2010/main" xmlns="" val="3108434880"/>
+        <p14:creationId xmlns:p14="http://schemas.microsoft.com/office/powerpoint/2010/main" val="3108434880"/>
       </p:ext>
     </p:extLst>
   </p:cSld>
@@ -461,7 +461,7 @@
             <a:fld id="{DE83D8B4-7749-40F8-A2B5-BB2EE4838988}" type="datetimeFigureOut">
               <a:rPr lang="fr-FR" smtClean="0"/>
               <a:pPr/>
-              <a:t>27/10/2010</a:t>
+              <a:t>31/10/2010</a:t>
             </a:fld>
             <a:endParaRPr lang="fr-FR"/>
           </a:p>
@@ -504,7 +504,7 @@
             <a:fld id="{04E6DAC0-9953-4B0E-AEA3-FBE76B3FC895}" type="slidenum">
               <a:rPr lang="fr-FR" smtClean="0"/>
               <a:pPr/>
-              <a:t>‹#›</a:t>
+              <a:t>‹N°›</a:t>
             </a:fld>
             <a:endParaRPr lang="fr-FR"/>
           </a:p>
@@ -513,7 +513,7 @@
     </p:spTree>
     <p:extLst>
       <p:ext uri="{BB962C8B-B14F-4D97-AF65-F5344CB8AC3E}">
-        <p14:creationId xmlns:p14="http://schemas.microsoft.com/office/powerpoint/2010/main" xmlns="" val="235323074"/>
+        <p14:creationId xmlns:p14="http://schemas.microsoft.com/office/powerpoint/2010/main" val="235323074"/>
       </p:ext>
     </p:extLst>
   </p:cSld>
@@ -643,7 +643,7 @@
             <a:fld id="{DE83D8B4-7749-40F8-A2B5-BB2EE4838988}" type="datetimeFigureOut">
               <a:rPr lang="fr-FR" smtClean="0"/>
               <a:pPr/>
-              <a:t>27/10/2010</a:t>
+              <a:t>31/10/2010</a:t>
             </a:fld>
             <a:endParaRPr lang="fr-FR"/>
           </a:p>
@@ -686,7 +686,7 @@
             <a:fld id="{04E6DAC0-9953-4B0E-AEA3-FBE76B3FC895}" type="slidenum">
               <a:rPr lang="fr-FR" smtClean="0"/>
               <a:pPr/>
-              <a:t>‹#›</a:t>
+              <a:t>‹N°›</a:t>
             </a:fld>
             <a:endParaRPr lang="fr-FR"/>
           </a:p>
@@ -695,7 +695,7 @@
     </p:spTree>
     <p:extLst>
       <p:ext uri="{BB962C8B-B14F-4D97-AF65-F5344CB8AC3E}">
-        <p14:creationId xmlns:p14="http://schemas.microsoft.com/office/powerpoint/2010/main" xmlns="" val="3080071200"/>
+        <p14:creationId xmlns:p14="http://schemas.microsoft.com/office/powerpoint/2010/main" val="3080071200"/>
       </p:ext>
     </p:extLst>
   </p:cSld>
@@ -815,7 +815,7 @@
             <a:fld id="{DE83D8B4-7749-40F8-A2B5-BB2EE4838988}" type="datetimeFigureOut">
               <a:rPr lang="fr-FR" smtClean="0"/>
               <a:pPr/>
-              <a:t>27/10/2010</a:t>
+              <a:t>31/10/2010</a:t>
             </a:fld>
             <a:endParaRPr lang="fr-FR"/>
           </a:p>
@@ -858,7 +858,7 @@
             <a:fld id="{04E6DAC0-9953-4B0E-AEA3-FBE76B3FC895}" type="slidenum">
               <a:rPr lang="fr-FR" smtClean="0"/>
               <a:pPr/>
-              <a:t>‹#›</a:t>
+              <a:t>‹N°›</a:t>
             </a:fld>
             <a:endParaRPr lang="fr-FR"/>
           </a:p>
@@ -867,7 +867,7 @@
     </p:spTree>
     <p:extLst>
       <p:ext uri="{BB962C8B-B14F-4D97-AF65-F5344CB8AC3E}">
-        <p14:creationId xmlns:p14="http://schemas.microsoft.com/office/powerpoint/2010/main" xmlns="" val="4058460340"/>
+        <p14:creationId xmlns:p14="http://schemas.microsoft.com/office/powerpoint/2010/main" val="4058460340"/>
       </p:ext>
     </p:extLst>
   </p:cSld>
@@ -1063,7 +1063,7 @@
             <a:fld id="{DE83D8B4-7749-40F8-A2B5-BB2EE4838988}" type="datetimeFigureOut">
               <a:rPr lang="fr-FR" smtClean="0"/>
               <a:pPr/>
-              <a:t>27/10/2010</a:t>
+              <a:t>31/10/2010</a:t>
             </a:fld>
             <a:endParaRPr lang="fr-FR"/>
           </a:p>
@@ -1106,7 +1106,7 @@
             <a:fld id="{04E6DAC0-9953-4B0E-AEA3-FBE76B3FC895}" type="slidenum">
               <a:rPr lang="fr-FR" smtClean="0"/>
               <a:pPr/>
-              <a:t>‹#›</a:t>
+              <a:t>‹N°›</a:t>
             </a:fld>
             <a:endParaRPr lang="fr-FR"/>
           </a:p>
@@ -1115,7 +1115,7 @@
     </p:spTree>
     <p:extLst>
       <p:ext uri="{BB962C8B-B14F-4D97-AF65-F5344CB8AC3E}">
-        <p14:creationId xmlns:p14="http://schemas.microsoft.com/office/powerpoint/2010/main" xmlns="" val="1822896694"/>
+        <p14:creationId xmlns:p14="http://schemas.microsoft.com/office/powerpoint/2010/main" val="1822896694"/>
       </p:ext>
     </p:extLst>
   </p:cSld>
@@ -1353,7 +1353,7 @@
             <a:fld id="{DE83D8B4-7749-40F8-A2B5-BB2EE4838988}" type="datetimeFigureOut">
               <a:rPr lang="fr-FR" smtClean="0"/>
               <a:pPr/>
-              <a:t>27/10/2010</a:t>
+              <a:t>31/10/2010</a:t>
             </a:fld>
             <a:endParaRPr lang="fr-FR"/>
           </a:p>
@@ -1396,7 +1396,7 @@
             <a:fld id="{04E6DAC0-9953-4B0E-AEA3-FBE76B3FC895}" type="slidenum">
               <a:rPr lang="fr-FR" smtClean="0"/>
               <a:pPr/>
-              <a:t>‹#›</a:t>
+              <a:t>‹N°›</a:t>
             </a:fld>
             <a:endParaRPr lang="fr-FR"/>
           </a:p>
@@ -1405,7 +1405,7 @@
     </p:spTree>
     <p:extLst>
       <p:ext uri="{BB962C8B-B14F-4D97-AF65-F5344CB8AC3E}">
-        <p14:creationId xmlns:p14="http://schemas.microsoft.com/office/powerpoint/2010/main" xmlns="" val="1481242624"/>
+        <p14:creationId xmlns:p14="http://schemas.microsoft.com/office/powerpoint/2010/main" val="1481242624"/>
       </p:ext>
     </p:extLst>
   </p:cSld>
@@ -1777,7 +1777,7 @@
             <a:fld id="{DE83D8B4-7749-40F8-A2B5-BB2EE4838988}" type="datetimeFigureOut">
               <a:rPr lang="fr-FR" smtClean="0"/>
               <a:pPr/>
-              <a:t>27/10/2010</a:t>
+              <a:t>31/10/2010</a:t>
             </a:fld>
             <a:endParaRPr lang="fr-FR"/>
           </a:p>
@@ -1820,7 +1820,7 @@
             <a:fld id="{04E6DAC0-9953-4B0E-AEA3-FBE76B3FC895}" type="slidenum">
               <a:rPr lang="fr-FR" smtClean="0"/>
               <a:pPr/>
-              <a:t>‹#›</a:t>
+              <a:t>‹N°›</a:t>
             </a:fld>
             <a:endParaRPr lang="fr-FR"/>
           </a:p>
@@ -1829,7 +1829,7 @@
     </p:spTree>
     <p:extLst>
       <p:ext uri="{BB962C8B-B14F-4D97-AF65-F5344CB8AC3E}">
-        <p14:creationId xmlns:p14="http://schemas.microsoft.com/office/powerpoint/2010/main" xmlns="" val="856425746"/>
+        <p14:creationId xmlns:p14="http://schemas.microsoft.com/office/powerpoint/2010/main" val="856425746"/>
       </p:ext>
     </p:extLst>
   </p:cSld>
@@ -1897,7 +1897,7 @@
             <a:fld id="{DE83D8B4-7749-40F8-A2B5-BB2EE4838988}" type="datetimeFigureOut">
               <a:rPr lang="fr-FR" smtClean="0"/>
               <a:pPr/>
-              <a:t>27/10/2010</a:t>
+              <a:t>31/10/2010</a:t>
             </a:fld>
             <a:endParaRPr lang="fr-FR"/>
           </a:p>
@@ -1940,7 +1940,7 @@
             <a:fld id="{04E6DAC0-9953-4B0E-AEA3-FBE76B3FC895}" type="slidenum">
               <a:rPr lang="fr-FR" smtClean="0"/>
               <a:pPr/>
-              <a:t>‹#›</a:t>
+              <a:t>‹N°›</a:t>
             </a:fld>
             <a:endParaRPr lang="fr-FR"/>
           </a:p>
@@ -1949,7 +1949,7 @@
     </p:spTree>
     <p:extLst>
       <p:ext uri="{BB962C8B-B14F-4D97-AF65-F5344CB8AC3E}">
-        <p14:creationId xmlns:p14="http://schemas.microsoft.com/office/powerpoint/2010/main" xmlns="" val="3264348684"/>
+        <p14:creationId xmlns:p14="http://schemas.microsoft.com/office/powerpoint/2010/main" val="3264348684"/>
       </p:ext>
     </p:extLst>
   </p:cSld>
@@ -1994,7 +1994,7 @@
             <a:fld id="{DE83D8B4-7749-40F8-A2B5-BB2EE4838988}" type="datetimeFigureOut">
               <a:rPr lang="fr-FR" smtClean="0"/>
               <a:pPr/>
-              <a:t>27/10/2010</a:t>
+              <a:t>31/10/2010</a:t>
             </a:fld>
             <a:endParaRPr lang="fr-FR"/>
           </a:p>
@@ -2037,7 +2037,7 @@
             <a:fld id="{04E6DAC0-9953-4B0E-AEA3-FBE76B3FC895}" type="slidenum">
               <a:rPr lang="fr-FR" smtClean="0"/>
               <a:pPr/>
-              <a:t>‹#›</a:t>
+              <a:t>‹N°›</a:t>
             </a:fld>
             <a:endParaRPr lang="fr-FR"/>
           </a:p>
@@ -2046,7 +2046,7 @@
     </p:spTree>
     <p:extLst>
       <p:ext uri="{BB962C8B-B14F-4D97-AF65-F5344CB8AC3E}">
-        <p14:creationId xmlns:p14="http://schemas.microsoft.com/office/powerpoint/2010/main" xmlns="" val="390387798"/>
+        <p14:creationId xmlns:p14="http://schemas.microsoft.com/office/powerpoint/2010/main" val="390387798"/>
       </p:ext>
     </p:extLst>
   </p:cSld>
@@ -2273,7 +2273,7 @@
             <a:fld id="{DE83D8B4-7749-40F8-A2B5-BB2EE4838988}" type="datetimeFigureOut">
               <a:rPr lang="fr-FR" smtClean="0"/>
               <a:pPr/>
-              <a:t>27/10/2010</a:t>
+              <a:t>31/10/2010</a:t>
             </a:fld>
             <a:endParaRPr lang="fr-FR"/>
           </a:p>
@@ -2316,7 +2316,7 @@
             <a:fld id="{04E6DAC0-9953-4B0E-AEA3-FBE76B3FC895}" type="slidenum">
               <a:rPr lang="fr-FR" smtClean="0"/>
               <a:pPr/>
-              <a:t>‹#›</a:t>
+              <a:t>‹N°›</a:t>
             </a:fld>
             <a:endParaRPr lang="fr-FR"/>
           </a:p>
@@ -2325,7 +2325,7 @@
     </p:spTree>
     <p:extLst>
       <p:ext uri="{BB962C8B-B14F-4D97-AF65-F5344CB8AC3E}">
-        <p14:creationId xmlns:p14="http://schemas.microsoft.com/office/powerpoint/2010/main" xmlns="" val="3965653970"/>
+        <p14:creationId xmlns:p14="http://schemas.microsoft.com/office/powerpoint/2010/main" val="3965653970"/>
       </p:ext>
     </p:extLst>
   </p:cSld>
@@ -2528,7 +2528,7 @@
             <a:fld id="{DE83D8B4-7749-40F8-A2B5-BB2EE4838988}" type="datetimeFigureOut">
               <a:rPr lang="fr-FR" smtClean="0"/>
               <a:pPr/>
-              <a:t>27/10/2010</a:t>
+              <a:t>31/10/2010</a:t>
             </a:fld>
             <a:endParaRPr lang="fr-FR"/>
           </a:p>
@@ -2571,7 +2571,7 @@
             <a:fld id="{04E6DAC0-9953-4B0E-AEA3-FBE76B3FC895}" type="slidenum">
               <a:rPr lang="fr-FR" smtClean="0"/>
               <a:pPr/>
-              <a:t>‹#›</a:t>
+              <a:t>‹N°›</a:t>
             </a:fld>
             <a:endParaRPr lang="fr-FR"/>
           </a:p>
@@ -2580,7 +2580,7 @@
     </p:spTree>
     <p:extLst>
       <p:ext uri="{BB962C8B-B14F-4D97-AF65-F5344CB8AC3E}">
-        <p14:creationId xmlns:p14="http://schemas.microsoft.com/office/powerpoint/2010/main" xmlns="" val="782007181"/>
+        <p14:creationId xmlns:p14="http://schemas.microsoft.com/office/powerpoint/2010/main" val="782007181"/>
       </p:ext>
     </p:extLst>
   </p:cSld>
@@ -2743,7 +2743,7 @@
             <a:fld id="{DE83D8B4-7749-40F8-A2B5-BB2EE4838988}" type="datetimeFigureOut">
               <a:rPr lang="fr-FR" smtClean="0"/>
               <a:pPr/>
-              <a:t>27/10/2010</a:t>
+              <a:t>31/10/2010</a:t>
             </a:fld>
             <a:endParaRPr lang="fr-FR"/>
           </a:p>
@@ -2822,7 +2822,7 @@
             <a:fld id="{04E6DAC0-9953-4B0E-AEA3-FBE76B3FC895}" type="slidenum">
               <a:rPr lang="fr-FR" smtClean="0"/>
               <a:pPr/>
-              <a:t>‹#›</a:t>
+              <a:t>‹N°›</a:t>
             </a:fld>
             <a:endParaRPr lang="fr-FR"/>
           </a:p>
@@ -2831,7 +2831,7 @@
     </p:spTree>
     <p:extLst>
       <p:ext uri="{BB962C8B-B14F-4D97-AF65-F5344CB8AC3E}">
-        <p14:creationId xmlns:p14="http://schemas.microsoft.com/office/powerpoint/2010/main" xmlns="" val="1792418502"/>
+        <p14:creationId xmlns:p14="http://schemas.microsoft.com/office/powerpoint/2010/main" val="1792418502"/>
       </p:ext>
     </p:extLst>
   </p:cSld>
@@ -3131,7 +3131,7 @@
           <a:blip r:embed="rId2" cstate="print">
             <a:extLst>
               <a:ext uri="{BEBA8EAE-BF5A-486C-A8C5-ECC9F3942E4B}">
-                <a14:imgProps xmlns:a14="http://schemas.microsoft.com/office/drawing/2010/main" xmlns="">
+                <a14:imgProps xmlns:a14="http://schemas.microsoft.com/office/drawing/2010/main">
                   <a14:imgLayer r:embed="rId3">
                     <a14:imgEffect>
                       <a14:sharpenSoften amount="25000"/>
@@ -3143,7 +3143,7 @@
                 </a14:imgProps>
               </a:ext>
               <a:ext uri="{28A0092B-C50C-407E-A947-70E740481C1C}">
-                <a14:useLocalDpi xmlns:a14="http://schemas.microsoft.com/office/drawing/2010/main" xmlns="" val="0"/>
+                <a14:useLocalDpi xmlns:a14="http://schemas.microsoft.com/office/drawing/2010/main" val="0"/>
               </a:ext>
             </a:extLst>
           </a:blip>
@@ -3170,7 +3170,7 @@
           </a:scene3d>
           <a:extLst>
             <a:ext uri="{909E8E84-426E-40DD-AFC4-6F175D3DCCD1}">
-              <a14:hiddenFill xmlns:a14="http://schemas.microsoft.com/office/drawing/2010/main" xmlns="">
+              <a14:hiddenFill xmlns:a14="http://schemas.microsoft.com/office/drawing/2010/main">
                 <a:solidFill>
                   <a:srgbClr val="FFFFFF"/>
                 </a:solidFill>
@@ -3191,7 +3191,7 @@
           <a:blip r:embed="rId4" cstate="print">
             <a:extLst>
               <a:ext uri="{BEBA8EAE-BF5A-486C-A8C5-ECC9F3942E4B}">
-                <a14:imgProps xmlns:a14="http://schemas.microsoft.com/office/drawing/2010/main" xmlns="">
+                <a14:imgProps xmlns:a14="http://schemas.microsoft.com/office/drawing/2010/main">
                   <a14:imgLayer r:embed="rId5">
                     <a14:imgEffect>
                       <a14:sharpenSoften amount="25000"/>
@@ -3203,7 +3203,7 @@
                 </a14:imgProps>
               </a:ext>
               <a:ext uri="{28A0092B-C50C-407E-A947-70E740481C1C}">
-                <a14:useLocalDpi xmlns:a14="http://schemas.microsoft.com/office/drawing/2010/main" xmlns="" val="0"/>
+                <a14:useLocalDpi xmlns:a14="http://schemas.microsoft.com/office/drawing/2010/main" val="0"/>
               </a:ext>
             </a:extLst>
           </a:blip>
@@ -3230,7 +3230,7 @@
           </a:scene3d>
           <a:extLst>
             <a:ext uri="{909E8E84-426E-40DD-AFC4-6F175D3DCCD1}">
-              <a14:hiddenFill xmlns:a14="http://schemas.microsoft.com/office/drawing/2010/main" xmlns="">
+              <a14:hiddenFill xmlns:a14="http://schemas.microsoft.com/office/drawing/2010/main">
                 <a:solidFill>
                   <a:srgbClr val="FFFFFF"/>
                 </a:solidFill>
@@ -3251,7 +3251,7 @@
           <a:blip r:embed="rId6" cstate="print">
             <a:extLst>
               <a:ext uri="{BEBA8EAE-BF5A-486C-A8C5-ECC9F3942E4B}">
-                <a14:imgProps xmlns:a14="http://schemas.microsoft.com/office/drawing/2010/main" xmlns="">
+                <a14:imgProps xmlns:a14="http://schemas.microsoft.com/office/drawing/2010/main">
                   <a14:imgLayer r:embed="rId7">
                     <a14:imgEffect>
                       <a14:sharpenSoften amount="25000"/>
@@ -3263,7 +3263,7 @@
                 </a14:imgProps>
               </a:ext>
               <a:ext uri="{28A0092B-C50C-407E-A947-70E740481C1C}">
-                <a14:useLocalDpi xmlns:a14="http://schemas.microsoft.com/office/drawing/2010/main" xmlns="" val="0"/>
+                <a14:useLocalDpi xmlns:a14="http://schemas.microsoft.com/office/drawing/2010/main" val="0"/>
               </a:ext>
             </a:extLst>
           </a:blip>
@@ -3290,7 +3290,7 @@
           </a:scene3d>
           <a:extLst>
             <a:ext uri="{909E8E84-426E-40DD-AFC4-6F175D3DCCD1}">
-              <a14:hiddenFill xmlns:a14="http://schemas.microsoft.com/office/drawing/2010/main" xmlns="">
+              <a14:hiddenFill xmlns:a14="http://schemas.microsoft.com/office/drawing/2010/main">
                 <a:solidFill>
                   <a:srgbClr val="FFFFFF"/>
                 </a:solidFill>
@@ -3772,7 +3772,7 @@
             </a:clrChange>
             <a:extLst>
               <a:ext uri="{28A0092B-C50C-407E-A947-70E740481C1C}">
-                <a14:useLocalDpi xmlns:a14="http://schemas.microsoft.com/office/drawing/2010/main" xmlns="" val="0"/>
+                <a14:useLocalDpi xmlns:a14="http://schemas.microsoft.com/office/drawing/2010/main" val="0"/>
               </a:ext>
             </a:extLst>
           </a:blip>
@@ -3796,14 +3796,14 @@
           <a:effectLst/>
           <a:extLst>
             <a:ext uri="{909E8E84-426E-40DD-AFC4-6F175D3DCCD1}">
-              <a14:hiddenFill xmlns:a14="http://schemas.microsoft.com/office/drawing/2010/main" xmlns="">
+              <a14:hiddenFill xmlns:a14="http://schemas.microsoft.com/office/drawing/2010/main">
                 <a:solidFill>
                   <a:schemeClr val="accent1"/>
                 </a:solidFill>
               </a14:hiddenFill>
             </a:ext>
             <a:ext uri="{91240B29-F687-4F45-9708-019B960494DF}">
-              <a14:hiddenLine xmlns:a14="http://schemas.microsoft.com/office/drawing/2010/main" xmlns="" w="9525">
+              <a14:hiddenLine xmlns:a14="http://schemas.microsoft.com/office/drawing/2010/main" w="9525">
                 <a:solidFill>
                   <a:schemeClr val="tx1"/>
                 </a:solidFill>
@@ -3813,7 +3813,7 @@
               </a14:hiddenLine>
             </a:ext>
             <a:ext uri="{AF507438-7753-43E0-B8FC-AC1667EBCBE1}">
-              <a14:hiddenEffects xmlns:a14="http://schemas.microsoft.com/office/drawing/2010/main" xmlns="">
+              <a14:hiddenEffects xmlns:a14="http://schemas.microsoft.com/office/drawing/2010/main">
                 <a:effectLst>
                   <a:outerShdw dist="35921" dir="2700000" algn="ctr" rotWithShape="0">
                     <a:schemeClr val="bg2"/>
@@ -3963,7 +3963,7 @@
           <a:blip r:embed="rId2" cstate="print">
             <a:extLst>
               <a:ext uri="{BEBA8EAE-BF5A-486C-A8C5-ECC9F3942E4B}">
-                <a14:imgProps xmlns:a14="http://schemas.microsoft.com/office/drawing/2010/main" xmlns="">
+                <a14:imgProps xmlns:a14="http://schemas.microsoft.com/office/drawing/2010/main">
                   <a14:imgLayer r:embed="rId3">
                     <a14:imgEffect>
                       <a14:sharpenSoften amount="25000"/>
@@ -3975,7 +3975,7 @@
                 </a14:imgProps>
               </a:ext>
               <a:ext uri="{28A0092B-C50C-407E-A947-70E740481C1C}">
-                <a14:useLocalDpi xmlns:a14="http://schemas.microsoft.com/office/drawing/2010/main" xmlns="" val="0"/>
+                <a14:useLocalDpi xmlns:a14="http://schemas.microsoft.com/office/drawing/2010/main" val="0"/>
               </a:ext>
             </a:extLst>
           </a:blip>
@@ -4002,7 +4002,7 @@
           </a:scene3d>
           <a:extLst>
             <a:ext uri="{909E8E84-426E-40DD-AFC4-6F175D3DCCD1}">
-              <a14:hiddenFill xmlns:a14="http://schemas.microsoft.com/office/drawing/2010/main" xmlns="">
+              <a14:hiddenFill xmlns:a14="http://schemas.microsoft.com/office/drawing/2010/main">
                 <a:solidFill>
                   <a:srgbClr val="FFFFFF"/>
                 </a:solidFill>
@@ -4023,7 +4023,7 @@
           <a:blip r:embed="rId4" cstate="print">
             <a:extLst>
               <a:ext uri="{BEBA8EAE-BF5A-486C-A8C5-ECC9F3942E4B}">
-                <a14:imgProps xmlns:a14="http://schemas.microsoft.com/office/drawing/2010/main" xmlns="">
+                <a14:imgProps xmlns:a14="http://schemas.microsoft.com/office/drawing/2010/main">
                   <a14:imgLayer r:embed="rId5">
                     <a14:imgEffect>
                       <a14:sharpenSoften amount="25000"/>
@@ -4035,7 +4035,7 @@
                 </a14:imgProps>
               </a:ext>
               <a:ext uri="{28A0092B-C50C-407E-A947-70E740481C1C}">
-                <a14:useLocalDpi xmlns:a14="http://schemas.microsoft.com/office/drawing/2010/main" xmlns="" val="0"/>
+                <a14:useLocalDpi xmlns:a14="http://schemas.microsoft.com/office/drawing/2010/main" val="0"/>
               </a:ext>
             </a:extLst>
           </a:blip>
@@ -4062,7 +4062,7 @@
           </a:scene3d>
           <a:extLst>
             <a:ext uri="{909E8E84-426E-40DD-AFC4-6F175D3DCCD1}">
-              <a14:hiddenFill xmlns:a14="http://schemas.microsoft.com/office/drawing/2010/main" xmlns="">
+              <a14:hiddenFill xmlns:a14="http://schemas.microsoft.com/office/drawing/2010/main">
                 <a:solidFill>
                   <a:srgbClr val="FFFFFF"/>
                 </a:solidFill>
@@ -4083,7 +4083,7 @@
           <a:blip r:embed="rId6" cstate="print">
             <a:extLst>
               <a:ext uri="{BEBA8EAE-BF5A-486C-A8C5-ECC9F3942E4B}">
-                <a14:imgProps xmlns:a14="http://schemas.microsoft.com/office/drawing/2010/main" xmlns="">
+                <a14:imgProps xmlns:a14="http://schemas.microsoft.com/office/drawing/2010/main">
                   <a14:imgLayer r:embed="rId7">
                     <a14:imgEffect>
                       <a14:sharpenSoften amount="25000"/>
@@ -4095,7 +4095,7 @@
                 </a14:imgProps>
               </a:ext>
               <a:ext uri="{28A0092B-C50C-407E-A947-70E740481C1C}">
-                <a14:useLocalDpi xmlns:a14="http://schemas.microsoft.com/office/drawing/2010/main" xmlns="" val="0"/>
+                <a14:useLocalDpi xmlns:a14="http://schemas.microsoft.com/office/drawing/2010/main" val="0"/>
               </a:ext>
             </a:extLst>
           </a:blip>
@@ -4122,7 +4122,7 @@
           </a:scene3d>
           <a:extLst>
             <a:ext uri="{909E8E84-426E-40DD-AFC4-6F175D3DCCD1}">
-              <a14:hiddenFill xmlns:a14="http://schemas.microsoft.com/office/drawing/2010/main" xmlns="">
+              <a14:hiddenFill xmlns:a14="http://schemas.microsoft.com/office/drawing/2010/main">
                 <a:solidFill>
                   <a:srgbClr val="FFFFFF"/>
                 </a:solidFill>
@@ -4730,10 +4730,320 @@
           </a:p>
         </p:txBody>
       </p:sp>
+      <p:sp>
+        <p:nvSpPr>
+          <p:cNvPr id="15" name="Rectangle 14"/>
+          <p:cNvSpPr/>
+          <p:nvPr/>
+        </p:nvSpPr>
+        <p:spPr>
+          <a:xfrm>
+            <a:off x="3954312" y="5157192"/>
+            <a:ext cx="2372381" cy="523220"/>
+          </a:xfrm>
+          <a:prstGeom prst="rect">
+            <a:avLst/>
+          </a:prstGeom>
+          <a:noFill/>
+        </p:spPr>
+        <p:txBody>
+          <a:bodyPr wrap="none" lIns="91440" tIns="45720" rIns="91440" bIns="45720">
+            <a:spAutoFit/>
+            <a:scene3d>
+              <a:camera prst="orthographicFront">
+                <a:rot lat="0" lon="0" rev="0"/>
+              </a:camera>
+              <a:lightRig rig="contrasting" dir="t">
+                <a:rot lat="0" lon="0" rev="4500000"/>
+              </a:lightRig>
+            </a:scene3d>
+            <a:sp3d contourW="6350" prstMaterial="metal">
+              <a:bevelT w="127000" h="31750" prst="relaxedInset"/>
+              <a:contourClr>
+                <a:schemeClr val="accent1">
+                  <a:shade val="75000"/>
+                </a:schemeClr>
+              </a:contourClr>
+            </a:sp3d>
+          </a:bodyPr>
+          <a:lstStyle/>
+          <a:p>
+            <a:pPr algn="ctr"/>
+            <a:r>
+              <a:rPr lang="fr-FR" sz="2800" b="1" dirty="0" smtClean="0">
+                <a:ln w="0"/>
+                <a:gradFill flip="none">
+                  <a:gsLst>
+                    <a:gs pos="0">
+                      <a:schemeClr val="accent1">
+                        <a:tint val="75000"/>
+                        <a:shade val="75000"/>
+                        <a:satMod val="170000"/>
+                      </a:schemeClr>
+                    </a:gs>
+                    <a:gs pos="49000">
+                      <a:schemeClr val="accent1">
+                        <a:tint val="88000"/>
+                        <a:shade val="65000"/>
+                        <a:satMod val="172000"/>
+                      </a:schemeClr>
+                    </a:gs>
+                    <a:gs pos="50000">
+                      <a:schemeClr val="accent1">
+                        <a:shade val="65000"/>
+                        <a:satMod val="130000"/>
+                      </a:schemeClr>
+                    </a:gs>
+                    <a:gs pos="92000">
+                      <a:schemeClr val="accent1">
+                        <a:shade val="50000"/>
+                        <a:satMod val="120000"/>
+                      </a:schemeClr>
+                    </a:gs>
+                    <a:gs pos="100000">
+                      <a:schemeClr val="accent1">
+                        <a:shade val="48000"/>
+                        <a:satMod val="120000"/>
+                      </a:schemeClr>
+                    </a:gs>
+                  </a:gsLst>
+                  <a:lin ang="5400000"/>
+                </a:gradFill>
+                <a:effectLst>
+                  <a:reflection blurRad="12700" stA="50000" endPos="50000" dist="5000" dir="5400000" sy="-100000" rotWithShape="0"/>
+                </a:effectLst>
+                <a:cs typeface="Arial" pitchFamily="34" charset="0"/>
+              </a:rPr>
+              <a:t>JMeter</a:t>
+            </a:r>
+            <a:r>
+              <a:rPr lang="fr-FR" sz="2800" b="1" cap="all" spc="0" dirty="0" smtClean="0">
+                <a:ln w="0"/>
+                <a:gradFill flip="none">
+                  <a:gsLst>
+                    <a:gs pos="0">
+                      <a:schemeClr val="accent1">
+                        <a:tint val="75000"/>
+                        <a:shade val="75000"/>
+                        <a:satMod val="170000"/>
+                      </a:schemeClr>
+                    </a:gs>
+                    <a:gs pos="49000">
+                      <a:schemeClr val="accent1">
+                        <a:tint val="88000"/>
+                        <a:shade val="65000"/>
+                        <a:satMod val="172000"/>
+                      </a:schemeClr>
+                    </a:gs>
+                    <a:gs pos="50000">
+                      <a:schemeClr val="accent1">
+                        <a:shade val="65000"/>
+                        <a:satMod val="130000"/>
+                      </a:schemeClr>
+                    </a:gs>
+                    <a:gs pos="92000">
+                      <a:schemeClr val="accent1">
+                        <a:shade val="50000"/>
+                        <a:satMod val="120000"/>
+                      </a:schemeClr>
+                    </a:gs>
+                    <a:gs pos="100000">
+                      <a:schemeClr val="accent1">
+                        <a:shade val="48000"/>
+                        <a:satMod val="120000"/>
+                      </a:schemeClr>
+                    </a:gs>
+                  </a:gsLst>
+                  <a:lin ang="5400000"/>
+                </a:gradFill>
+                <a:effectLst>
+                  <a:reflection blurRad="12700" stA="50000" endPos="50000" dist="5000" dir="5400000" sy="-100000" rotWithShape="0"/>
+                </a:effectLst>
+                <a:cs typeface="Arial" pitchFamily="34" charset="0"/>
+              </a:rPr>
+              <a:t> </a:t>
+            </a:r>
+            <a:r>
+              <a:rPr lang="en-US" sz="2800" b="1" spc="0" dirty="0" smtClean="0">
+                <a:ln w="0"/>
+                <a:gradFill flip="none">
+                  <a:gsLst>
+                    <a:gs pos="0">
+                      <a:schemeClr val="accent1">
+                        <a:tint val="75000"/>
+                        <a:shade val="75000"/>
+                        <a:satMod val="170000"/>
+                      </a:schemeClr>
+                    </a:gs>
+                    <a:gs pos="49000">
+                      <a:schemeClr val="accent1">
+                        <a:tint val="88000"/>
+                        <a:shade val="65000"/>
+                        <a:satMod val="172000"/>
+                      </a:schemeClr>
+                    </a:gs>
+                    <a:gs pos="50000">
+                      <a:schemeClr val="accent1">
+                        <a:shade val="65000"/>
+                        <a:satMod val="130000"/>
+                      </a:schemeClr>
+                    </a:gs>
+                    <a:gs pos="92000">
+                      <a:schemeClr val="accent1">
+                        <a:shade val="50000"/>
+                        <a:satMod val="120000"/>
+                      </a:schemeClr>
+                    </a:gs>
+                    <a:gs pos="100000">
+                      <a:schemeClr val="accent1">
+                        <a:shade val="48000"/>
+                        <a:satMod val="120000"/>
+                      </a:schemeClr>
+                    </a:gs>
+                  </a:gsLst>
+                  <a:lin ang="5400000"/>
+                </a:gradFill>
+                <a:effectLst>
+                  <a:reflection blurRad="12700" stA="50000" endPos="50000" dist="5000" dir="5400000" sy="-100000" rotWithShape="0"/>
+                </a:effectLst>
+                <a:cs typeface="Arial" pitchFamily="34" charset="0"/>
+              </a:rPr>
+              <a:t>Plugins</a:t>
+            </a:r>
+          </a:p>
+        </p:txBody>
+      </p:sp>
+      <p:sp>
+        <p:nvSpPr>
+          <p:cNvPr id="17" name="Rectangle 16"/>
+          <p:cNvSpPr/>
+          <p:nvPr/>
+        </p:nvSpPr>
+        <p:spPr>
+          <a:xfrm>
+            <a:off x="5247067" y="5551140"/>
+            <a:ext cx="1061509" cy="261610"/>
+          </a:xfrm>
+          <a:prstGeom prst="rect">
+            <a:avLst/>
+          </a:prstGeom>
+          <a:noFill/>
+        </p:spPr>
+        <p:txBody>
+          <a:bodyPr wrap="square" lIns="91440" tIns="45720" rIns="91440" bIns="45720">
+            <a:spAutoFit/>
+            <a:scene3d>
+              <a:camera prst="orthographicFront">
+                <a:rot lat="0" lon="0" rev="0"/>
+              </a:camera>
+              <a:lightRig rig="contrasting" dir="t">
+                <a:rot lat="0" lon="0" rev="4500000"/>
+              </a:lightRig>
+            </a:scene3d>
+            <a:sp3d contourW="6350" prstMaterial="metal">
+              <a:bevelT w="127000" h="31750" prst="relaxedInset"/>
+              <a:contourClr>
+                <a:schemeClr val="accent1">
+                  <a:shade val="75000"/>
+                </a:schemeClr>
+              </a:contourClr>
+            </a:sp3d>
+          </a:bodyPr>
+          <a:lstStyle/>
+          <a:p>
+            <a:pPr algn="r"/>
+            <a:r>
+              <a:rPr lang="en-US" sz="1100" spc="0" dirty="0" smtClean="0">
+                <a:ln w="0"/>
+                <a:gradFill flip="none">
+                  <a:gsLst>
+                    <a:gs pos="0">
+                      <a:schemeClr val="accent1">
+                        <a:tint val="75000"/>
+                        <a:shade val="75000"/>
+                        <a:satMod val="170000"/>
+                      </a:schemeClr>
+                    </a:gs>
+                    <a:gs pos="49000">
+                      <a:schemeClr val="accent1">
+                        <a:tint val="88000"/>
+                        <a:shade val="65000"/>
+                        <a:satMod val="172000"/>
+                      </a:schemeClr>
+                    </a:gs>
+                    <a:gs pos="50000">
+                      <a:schemeClr val="accent1">
+                        <a:shade val="65000"/>
+                        <a:satMod val="130000"/>
+                      </a:schemeClr>
+                    </a:gs>
+                    <a:gs pos="92000">
+                      <a:schemeClr val="accent1">
+                        <a:shade val="50000"/>
+                        <a:satMod val="120000"/>
+                      </a:schemeClr>
+                    </a:gs>
+                    <a:gs pos="100000">
+                      <a:schemeClr val="accent1">
+                        <a:shade val="48000"/>
+                        <a:satMod val="120000"/>
+                      </a:schemeClr>
+                    </a:gs>
+                  </a:gsLst>
+                  <a:lin ang="5400000"/>
+                </a:gradFill>
+                <a:effectLst/>
+              </a:rPr>
+              <a:t>at Google Code</a:t>
+            </a:r>
+            <a:endParaRPr lang="en-US" sz="1100" spc="0" dirty="0">
+              <a:ln w="0"/>
+              <a:gradFill flip="none">
+                <a:gsLst>
+                  <a:gs pos="0">
+                    <a:schemeClr val="accent1">
+                      <a:tint val="75000"/>
+                      <a:shade val="75000"/>
+                      <a:satMod val="170000"/>
+                    </a:schemeClr>
+                  </a:gs>
+                  <a:gs pos="49000">
+                    <a:schemeClr val="accent1">
+                      <a:tint val="88000"/>
+                      <a:shade val="65000"/>
+                      <a:satMod val="172000"/>
+                    </a:schemeClr>
+                  </a:gs>
+                  <a:gs pos="50000">
+                    <a:schemeClr val="accent1">
+                      <a:shade val="65000"/>
+                      <a:satMod val="130000"/>
+                    </a:schemeClr>
+                  </a:gs>
+                  <a:gs pos="92000">
+                    <a:schemeClr val="accent1">
+                      <a:shade val="50000"/>
+                      <a:satMod val="120000"/>
+                    </a:schemeClr>
+                  </a:gs>
+                  <a:gs pos="100000">
+                    <a:schemeClr val="accent1">
+                      <a:shade val="48000"/>
+                      <a:satMod val="120000"/>
+                    </a:schemeClr>
+                  </a:gs>
+                </a:gsLst>
+                <a:lin ang="5400000"/>
+              </a:gradFill>
+              <a:effectLst/>
+            </a:endParaRPr>
+          </a:p>
+        </p:txBody>
+      </p:sp>
     </p:spTree>
     <p:extLst>
       <p:ext uri="{BB962C8B-B14F-4D97-AF65-F5344CB8AC3E}">
-        <p14:creationId xmlns:p14="http://schemas.microsoft.com/office/powerpoint/2010/main" xmlns="" val="756513308"/>
+        <p14:creationId xmlns:p14="http://schemas.microsoft.com/office/powerpoint/2010/main" val="756513308"/>
       </p:ext>
     </p:extLst>
   </p:cSld>
